--- a/1$.pptx
+++ b/1$.pptx
@@ -3861,17 +3861,12 @@
           <a:p>
             <a:r>
               <a:rPr lang="en-IN" b="1" dirty="0" smtClean="0"/>
-              <a:t>Where </a:t>
-            </a:r>
-            <a:r>
-              <a:rPr lang="en-IN" b="1" dirty="0" smtClean="0"/>
-              <a:t>we </a:t>
+              <a:t>Where we </a:t>
             </a:r>
             <a:r>
               <a:rPr lang="en-IN" b="1" dirty="0"/>
               <a:t>are?- Traction </a:t>
             </a:r>
-            <a:endParaRPr lang="en-IN" b="1" dirty="0"/>
           </a:p>
         </p:txBody>
       </p:sp>
@@ -3901,50 +3896,30 @@
               <a:rPr lang="en-IN" dirty="0" smtClean="0"/>
               <a:t>Ideation-Completed[100%]</a:t>
             </a:r>
-            <a:endParaRPr lang="en-IN" dirty="0" smtClean="0"/>
           </a:p>
           <a:p>
             <a:r>
               <a:rPr lang="en-IN" dirty="0" smtClean="0"/>
               <a:t>Validation-On-going[60%]</a:t>
             </a:r>
-            <a:endParaRPr lang="en-IN" dirty="0" smtClean="0"/>
-          </a:p>
-          <a:p>
-            <a:r>
-              <a:rPr lang="en-IN" dirty="0" smtClean="0"/>
-              <a:t>Playground </a:t>
-            </a:r>
-            <a:r>
-              <a:rPr lang="en-IN" dirty="0" smtClean="0"/>
-              <a:t>Platform Identification &amp; Setup- Azure &amp; Aws [20%]</a:t>
-            </a:r>
-            <a:endParaRPr lang="en-IN" dirty="0" smtClean="0"/>
-          </a:p>
-          <a:p>
-            <a:r>
-              <a:rPr lang="en-IN" dirty="0" smtClean="0"/>
-              <a:t>System/Platform Readiness- On-going </a:t>
-            </a:r>
-            <a:r>
-              <a:rPr lang="en-IN" dirty="0" smtClean="0"/>
-              <a:t> [18%]</a:t>
-            </a:r>
-          </a:p>
-          <a:p>
-            <a:r>
-              <a:rPr lang="en-IN" dirty="0" smtClean="0"/>
-              <a:t>Internal </a:t>
-            </a:r>
-            <a:r>
-              <a:rPr lang="en-IN" dirty="0" smtClean="0"/>
-              <a:t>Team- </a:t>
-            </a:r>
-            <a:r>
-              <a:rPr lang="en-IN" dirty="0" smtClean="0"/>
-              <a:t>On-going [30%]</a:t>
-            </a:r>
-            <a:endParaRPr lang="en-IN" dirty="0" smtClean="0"/>
+          </a:p>
+          <a:p>
+            <a:r>
+              <a:rPr lang="en-IN" dirty="0" smtClean="0"/>
+              <a:t>Playground Platform Identification &amp; Setup- Azure &amp; Aws [20%]</a:t>
+            </a:r>
+          </a:p>
+          <a:p>
+            <a:r>
+              <a:rPr lang="en-IN" dirty="0" smtClean="0"/>
+              <a:t>System/Platform Readiness- On-going  [18%]</a:t>
+            </a:r>
+          </a:p>
+          <a:p>
+            <a:r>
+              <a:rPr lang="en-IN" dirty="0" smtClean="0"/>
+              <a:t>Internal Team- On-going [30%]</a:t>
+            </a:r>
           </a:p>
           <a:p>
             <a:r>
@@ -3998,16 +3973,11 @@
               <a:rPr lang="en-IN" dirty="0" smtClean="0"/>
               <a:t>Globally expanding-Not yet </a:t>
             </a:r>
-            <a:endParaRPr lang="en-IN" dirty="0" smtClean="0"/>
-          </a:p>
-          <a:p>
-            <a:r>
-              <a:rPr lang="en-IN" dirty="0" smtClean="0"/>
-              <a:t>In-house </a:t>
-            </a:r>
-            <a:r>
-              <a:rPr lang="en-IN" dirty="0" smtClean="0"/>
-              <a:t>development team expanding for more research-Not yet</a:t>
+          </a:p>
+          <a:p>
+            <a:r>
+              <a:rPr lang="en-IN" dirty="0" smtClean="0"/>
+              <a:t>In-house development team expanding for more research-Not yet</a:t>
             </a:r>
           </a:p>
           <a:p>
@@ -4115,11 +4085,7 @@
           <a:p>
             <a:r>
               <a:rPr lang="en-IN" b="1" dirty="0" smtClean="0"/>
-              <a:t>How </a:t>
-            </a:r>
-            <a:r>
-              <a:rPr lang="en-IN" b="1" dirty="0" smtClean="0"/>
-              <a:t>Much? - Financials</a:t>
+              <a:t>How Much? - Financials</a:t>
             </a:r>
             <a:endParaRPr lang="en-IN" b="1" dirty="0"/>
           </a:p>
@@ -4256,15 +4222,7 @@
           <a:p>
             <a:r>
               <a:rPr lang="en-IN" b="1" dirty="0" smtClean="0"/>
-              <a:t>What </a:t>
-            </a:r>
-            <a:r>
-              <a:rPr lang="en-IN" b="1" dirty="0" smtClean="0"/>
-              <a:t>Later? - </a:t>
-            </a:r>
-            <a:r>
-              <a:rPr lang="en-IN" b="1" dirty="0" smtClean="0"/>
-              <a:t>Expansion Plans</a:t>
+              <a:t>What Later? - Expansion Plans</a:t>
             </a:r>
             <a:endParaRPr lang="en-IN" b="1" dirty="0"/>
           </a:p>
@@ -4287,13 +4245,8 @@
           <a:p>
             <a:r>
               <a:rPr lang="en-IN" dirty="0" smtClean="0"/>
-              <a:t>Business analysis in </a:t>
-            </a:r>
-            <a:r>
-              <a:rPr lang="en-IN" dirty="0" smtClean="0"/>
-              <a:t>broad spectrum</a:t>
-            </a:r>
-            <a:endParaRPr lang="en-IN" dirty="0" smtClean="0"/>
+              <a:t>Business analysis in broad spectrum</a:t>
+            </a:r>
           </a:p>
           <a:p>
             <a:r>
@@ -4310,32 +4263,14 @@
           <a:p>
             <a:r>
               <a:rPr lang="en-IN" dirty="0" smtClean="0"/>
-              <a:t>Social impacting platforms like women </a:t>
-            </a:r>
-            <a:r>
-              <a:rPr lang="en-IN" dirty="0" smtClean="0"/>
-              <a:t>safety, human trafficking</a:t>
-            </a:r>
-            <a:endParaRPr lang="en-IN" dirty="0" smtClean="0"/>
-          </a:p>
-          <a:p>
-            <a:r>
-              <a:rPr lang="en-IN" dirty="0" smtClean="0"/>
-              <a:t>Charity work either direct or helping other big hands like Infosys</a:t>
-            </a:r>
-            <a:r>
-              <a:rPr lang="en-IN" dirty="0" smtClean="0"/>
-              <a:t>, Wipro, Melinda-Gates </a:t>
-            </a:r>
-            <a:r>
-              <a:rPr lang="en-IN" dirty="0" smtClean="0"/>
-              <a:t>foundations</a:t>
-            </a:r>
-            <a:r>
-              <a:rPr lang="en-IN" dirty="0" smtClean="0"/>
-              <a:t>, Red-cross, Rotary</a:t>
-            </a:r>
-            <a:endParaRPr lang="en-IN" dirty="0" smtClean="0"/>
+              <a:t>Social impacting platforms like women safety, human trafficking</a:t>
+            </a:r>
+          </a:p>
+          <a:p>
+            <a:r>
+              <a:rPr lang="en-IN" dirty="0" smtClean="0"/>
+              <a:t>Charity work either direct or helping other big hands like Infosys, Wipro, Melinda-Gates foundations, Red-cross, Rotary</a:t>
+            </a:r>
           </a:p>
           <a:p>
             <a:endParaRPr lang="en-IN" dirty="0"/>
@@ -4442,11 +4377,7 @@
           <a:p>
             <a:r>
               <a:rPr lang="en-IN" b="1" dirty="0" smtClean="0"/>
-              <a:t>Call To </a:t>
-            </a:r>
-            <a:r>
-              <a:rPr lang="en-IN" b="1" dirty="0" smtClean="0"/>
-              <a:t>Action=&gt;</a:t>
+              <a:t>Call To Action=&gt;</a:t>
             </a:r>
             <a:endParaRPr lang="en-IN" b="1" dirty="0"/>
           </a:p>
@@ -4786,15 +4717,7 @@
           <a:p>
             <a:r>
               <a:rPr lang="en-IN" b="1" dirty="0" smtClean="0"/>
-              <a:t>What is </a:t>
-            </a:r>
-            <a:r>
-              <a:rPr lang="en-IN" b="1" dirty="0" smtClean="0"/>
-              <a:t>OneDollarSofts </a:t>
-            </a:r>
-            <a:r>
-              <a:rPr lang="en-IN" b="1" dirty="0" smtClean="0"/>
-              <a:t>Solutions? Introduction</a:t>
+              <a:t>What is OneDollarSofts Solutions? Introduction</a:t>
             </a:r>
             <a:endParaRPr lang="en-IN" b="1" dirty="0"/>
           </a:p>
@@ -4828,19 +4751,7 @@
             </a:r>
             <a:r>
               <a:rPr lang="en-IN" b="1" u="sng" dirty="0" smtClean="0"/>
-              <a:t>connect the </a:t>
-            </a:r>
-            <a:r>
-              <a:rPr lang="en-IN" b="1" u="sng" dirty="0" smtClean="0"/>
-              <a:t>right dots </a:t>
-            </a:r>
-            <a:r>
-              <a:rPr lang="en-IN" b="1" u="sng" dirty="0" smtClean="0"/>
-              <a:t>of  </a:t>
-            </a:r>
-            <a:r>
-              <a:rPr lang="en-IN" b="1" u="sng" dirty="0" smtClean="0"/>
-              <a:t>“Requestor </a:t>
+              <a:t>connect the right dots of  “Requestor </a:t>
             </a:r>
             <a:r>
               <a:rPr lang="en-IN" b="1" u="sng" dirty="0" smtClean="0">
@@ -4850,13 +4761,8 @@
             </a:r>
             <a:r>
               <a:rPr lang="en-IN" b="1" u="sng" dirty="0" smtClean="0"/>
-              <a:t> </a:t>
-            </a:r>
-            <a:r>
-              <a:rPr lang="en-IN" b="1" u="sng" dirty="0" smtClean="0"/>
-              <a:t>Contributor” by using available best suitable technologies.</a:t>
-            </a:r>
-            <a:endParaRPr lang="en-IN" b="1" u="sng" dirty="0" smtClean="0"/>
+              <a:t> Contributor” by using available best suitable technologies.</a:t>
+            </a:r>
           </a:p>
           <a:p>
             <a:pPr lvl="1">
@@ -4885,55 +4791,43 @@
             </a:pPr>
             <a:r>
               <a:rPr lang="en-IN" sz="2200" dirty="0" smtClean="0"/>
-              <a:t>1$ team: </a:t>
-            </a:r>
-            <a:r>
-              <a:rPr lang="en-IN" sz="2200" dirty="0" smtClean="0"/>
-              <a:t>Does the monitoring of all and maintain transparency</a:t>
-            </a:r>
-          </a:p>
-          <a:p>
-            <a:r>
-              <a:rPr lang="en-IN" dirty="0" smtClean="0"/>
-              <a:t>We provide </a:t>
-            </a:r>
-            <a:r>
-              <a:rPr lang="en-IN" dirty="0" smtClean="0"/>
-              <a:t>software </a:t>
-            </a:r>
-            <a:r>
-              <a:rPr lang="en-IN" dirty="0" smtClean="0"/>
-              <a:t>products/services </a:t>
-            </a:r>
-            <a:r>
-              <a:rPr lang="en-IN" dirty="0" smtClean="0"/>
-              <a:t>for only </a:t>
-            </a:r>
-            <a:r>
-              <a:rPr lang="en-IN" dirty="0" smtClean="0"/>
-              <a:t>One-dollar or one-percentile of the </a:t>
-            </a:r>
-            <a:r>
-              <a:rPr lang="en-IN" dirty="0" smtClean="0"/>
-              <a:t>effort (</a:t>
-            </a:r>
-            <a:r>
-              <a:rPr lang="en-IN" dirty="0" smtClean="0"/>
-              <a:t>whichever is max), so the name OneDollarSofts.(By excluding additional purchases)</a:t>
-            </a:r>
-          </a:p>
-          <a:p>
-            <a:r>
-              <a:rPr lang="en-IN" dirty="0" smtClean="0"/>
-              <a:t>How </a:t>
-            </a:r>
-            <a:r>
-              <a:rPr lang="en-IN" dirty="0" smtClean="0"/>
-              <a:t>Idea came: We came across many scenarios like above, we did that but stayed anonymous. Now making it official and </a:t>
-            </a:r>
-            <a:r>
-              <a:rPr lang="en-IN" dirty="0" smtClean="0"/>
-              <a:t>collective in 1$.</a:t>
+              <a:t>1$ team: Does the monitoring of all and maintain transparency</a:t>
+            </a:r>
+          </a:p>
+          <a:p>
+            <a:r>
+              <a:rPr lang="en-IN" dirty="0" smtClean="0"/>
+              <a:t>We provide software products/services for only One-dollar or </a:t>
+            </a:r>
+            <a:r>
+              <a:rPr lang="en-IN" dirty="0" smtClean="0"/>
+              <a:t>one-percentile </a:t>
+            </a:r>
+            <a:r>
+              <a:rPr lang="en-IN" dirty="0" smtClean="0"/>
+              <a:t>of the effort </a:t>
+            </a:r>
+            <a:r>
+              <a:rPr lang="en-IN" dirty="0" smtClean="0"/>
+              <a:t>(1</a:t>
+            </a:r>
+            <a:r>
+              <a:rPr lang="en-IN" smtClean="0"/>
+              <a:t>% or 1$ whichever </a:t>
+            </a:r>
+            <a:r>
+              <a:rPr lang="en-IN" dirty="0" smtClean="0"/>
+              <a:t>is max), so the name OneDollarSofts.(By excluding additional purchases)</a:t>
+            </a:r>
+          </a:p>
+          <a:p>
+            <a:r>
+              <a:rPr lang="en-IN" dirty="0" smtClean="0"/>
+              <a:t>How Idea came: We came across many scenarios like above, we did that but stayed anonymous. Now making it official and collective in 1</a:t>
+            </a:r>
+            <a:r>
+              <a:rPr lang="en-IN" dirty="0" smtClean="0"/>
+              <a:t>$.</a:t>
             </a:r>
             <a:endParaRPr lang="en-IN" b="1" dirty="0" smtClean="0"/>
           </a:p>
@@ -4943,23 +4837,7 @@
             </a:pPr>
             <a:r>
               <a:rPr lang="en-IN" b="1" dirty="0" smtClean="0"/>
-              <a:t>We are not </a:t>
-            </a:r>
-            <a:r>
-              <a:rPr lang="en-IN" b="1" dirty="0" smtClean="0"/>
-              <a:t>focusing on competition, instead </a:t>
-            </a:r>
-            <a:r>
-              <a:rPr lang="en-IN" b="1" dirty="0" smtClean="0"/>
-              <a:t>we utilize all those </a:t>
-            </a:r>
-            <a:r>
-              <a:rPr lang="en-IN" b="1" dirty="0" smtClean="0"/>
-              <a:t>best existing resources officially</a:t>
-            </a:r>
-            <a:r>
-              <a:rPr lang="en-IN" b="1" dirty="0" smtClean="0"/>
-              <a:t>.</a:t>
+              <a:t>We are not focusing on competition, instead we utilize all those best existing resources officially.</a:t>
             </a:r>
           </a:p>
           <a:p>
@@ -5131,11 +5009,7 @@
             </a:pPr>
             <a:r>
               <a:rPr lang="en-IN" dirty="0" smtClean="0"/>
-              <a:t>Knowledge </a:t>
-            </a:r>
-            <a:r>
-              <a:rPr lang="en-IN" dirty="0" smtClean="0"/>
-              <a:t>and Myth</a:t>
+              <a:t>Knowledge and Myth</a:t>
             </a:r>
           </a:p>
           <a:p>
@@ -5294,15 +5168,7 @@
           <a:p>
             <a:r>
               <a:rPr lang="en-IN" b="1" dirty="0" smtClean="0"/>
-              <a:t>How </a:t>
-            </a:r>
-            <a:r>
-              <a:rPr lang="en-IN" b="1" dirty="0" smtClean="0"/>
-              <a:t>Much?  - </a:t>
-            </a:r>
-            <a:r>
-              <a:rPr lang="en-IN" b="1" dirty="0" smtClean="0"/>
-              <a:t>Market Opportunity</a:t>
+              <a:t>How Much?  - Market Opportunity</a:t>
             </a:r>
             <a:endParaRPr lang="en-IN" b="1" dirty="0"/>
           </a:p>
@@ -5496,11 +5362,7 @@
           <a:p>
             <a:r>
               <a:rPr lang="en-IN" b="1" dirty="0" smtClean="0"/>
-              <a:t>What Special? - Unique </a:t>
-            </a:r>
-            <a:r>
-              <a:rPr lang="en-IN" b="1" dirty="0" smtClean="0"/>
-              <a:t>Approach</a:t>
+              <a:t>What Special? - Unique Approach</a:t>
             </a:r>
             <a:endParaRPr lang="en-IN" b="1" dirty="0"/>
           </a:p>
@@ -5530,21 +5392,8 @@
           <a:p>
             <a:r>
               <a:rPr lang="en-IN" dirty="0" smtClean="0"/>
-              <a:t>Understand the business </a:t>
-            </a:r>
-            <a:r>
-              <a:rPr lang="en-IN" dirty="0" smtClean="0"/>
-              <a:t>requirements and fulfil </a:t>
-            </a:r>
-            <a:r>
-              <a:rPr lang="en-IN" dirty="0" smtClean="0"/>
-              <a:t>with right </a:t>
-            </a:r>
-            <a:r>
-              <a:rPr lang="en-IN" dirty="0" smtClean="0"/>
-              <a:t>choice with regional choice.</a:t>
-            </a:r>
-            <a:endParaRPr lang="en-IN" dirty="0" smtClean="0"/>
+              <a:t>Understand the business requirements and fulfil with right choice with regional choice.</a:t>
+            </a:r>
           </a:p>
           <a:p>
             <a:pPr marL="0" indent="0">
@@ -5552,39 +5401,7 @@
             </a:pPr>
             <a:r>
               <a:rPr lang="en-IN" sz="2000" dirty="0" smtClean="0"/>
-              <a:t>Ex: </a:t>
-            </a:r>
-            <a:r>
-              <a:rPr lang="en-IN" sz="2000" dirty="0" smtClean="0"/>
-              <a:t>If </a:t>
-            </a:r>
-            <a:r>
-              <a:rPr lang="en-IN" sz="2000" dirty="0" smtClean="0"/>
-              <a:t>cloth garments wants to share </a:t>
-            </a:r>
-            <a:r>
-              <a:rPr lang="en-IN" sz="2000" dirty="0" smtClean="0"/>
-              <a:t>their </a:t>
-            </a:r>
-            <a:r>
-              <a:rPr lang="en-IN" sz="2000" dirty="0" smtClean="0"/>
-              <a:t>products/designs then we will enable google map with products with </a:t>
-            </a:r>
-            <a:r>
-              <a:rPr lang="en-IN" sz="2000" dirty="0" smtClean="0"/>
-              <a:t>Facebook </a:t>
-            </a:r>
-            <a:r>
-              <a:rPr lang="en-IN" sz="2000" dirty="0" smtClean="0"/>
-              <a:t>business</a:t>
-            </a:r>
-            <a:r>
-              <a:rPr lang="en-IN" sz="2000" dirty="0" smtClean="0"/>
-              <a:t>, Instagram, website up-to the </a:t>
-            </a:r>
-            <a:r>
-              <a:rPr lang="en-IN" sz="2000" dirty="0" smtClean="0"/>
-              <a:t>need and customer level.</a:t>
+              <a:t>Ex: If cloth garments wants to share their products/designs then we will enable google map with products with Facebook business, Instagram, website up-to the need and customer level.</a:t>
             </a:r>
           </a:p>
           <a:p>
@@ -5625,7 +5442,6 @@
               <a:rPr lang="en-IN" dirty="0" smtClean="0"/>
               <a:t>…</a:t>
             </a:r>
-            <a:endParaRPr lang="en-IN" dirty="0" smtClean="0"/>
           </a:p>
           <a:p>
             <a:endParaRPr lang="en-IN" dirty="0" smtClean="0"/>
@@ -5899,11 +5715,7 @@
           <a:p>
             <a:r>
               <a:rPr lang="en-IN" b="1" dirty="0" smtClean="0"/>
-              <a:t>Who all? - </a:t>
-            </a:r>
-            <a:r>
-              <a:rPr lang="en-IN" b="1" dirty="0" smtClean="0"/>
-              <a:t>Team</a:t>
+              <a:t>Who all? - Team</a:t>
             </a:r>
             <a:endParaRPr lang="en-IN" b="1" dirty="0"/>
           </a:p>
@@ -5933,23 +5745,17 @@
               <a:rPr lang="en-IN" dirty="0" smtClean="0"/>
               <a:t>Major guys are experienced in different technologies and domain in many MNCs across the globe. </a:t>
             </a:r>
-            <a:endParaRPr lang="en-IN" dirty="0" smtClean="0"/>
           </a:p>
           <a:p>
             <a:r>
               <a:rPr lang="en-IN" dirty="0" smtClean="0"/>
               <a:t>Engaging young enthusiasts including students of cross domain</a:t>
             </a:r>
-            <a:endParaRPr lang="en-IN" dirty="0" smtClean="0"/>
-          </a:p>
-          <a:p>
-            <a:r>
-              <a:rPr lang="en-IN" dirty="0" smtClean="0"/>
-              <a:t>1$ Internal </a:t>
-            </a:r>
-            <a:r>
-              <a:rPr lang="en-IN" dirty="0" smtClean="0"/>
-              <a:t>Team does all major validation and related activities.</a:t>
+          </a:p>
+          <a:p>
+            <a:r>
+              <a:rPr lang="en-IN" dirty="0" smtClean="0"/>
+              <a:t>1$ Internal Team does all major validation and related activities.</a:t>
             </a:r>
           </a:p>
           <a:p>
@@ -5964,15 +5770,7 @@
             </a:pPr>
             <a:r>
               <a:rPr lang="en-IN" sz="2000" dirty="0" smtClean="0"/>
-              <a:t>(If they wish, will keep </a:t>
-            </a:r>
-            <a:r>
-              <a:rPr lang="en-IN" sz="2000" dirty="0" smtClean="0"/>
-              <a:t>identity </a:t>
-            </a:r>
-            <a:r>
-              <a:rPr lang="en-IN" sz="2000" dirty="0" smtClean="0"/>
-              <a:t>as virtual or anonymous)</a:t>
+              <a:t>(If they wish, will keep identity as virtual or anonymous)</a:t>
             </a:r>
           </a:p>
           <a:p>
@@ -5989,37 +5787,16 @@
             </a:r>
             <a:r>
               <a:rPr lang="en-IN" sz="2000" dirty="0" smtClean="0"/>
-              <a:t>Java developer working somewhere else, can contribute here for 10 hours a week. For the same </a:t>
-            </a:r>
+              <a:t>Java developer working somewhere else, can contribute here for 10 hours a week. For the same work will be planned or allotted.</a:t>
+            </a:r>
+          </a:p>
+          <a:p>
+            <a:pPr marL="0" indent="0">
+              <a:buNone/>
+            </a:pPr>
             <a:r>
               <a:rPr lang="en-IN" sz="2000" dirty="0" smtClean="0"/>
-              <a:t>work </a:t>
-            </a:r>
-            <a:r>
-              <a:rPr lang="en-IN" sz="2000" dirty="0" smtClean="0"/>
-              <a:t>will be </a:t>
-            </a:r>
-            <a:r>
-              <a:rPr lang="en-IN" sz="2000" dirty="0" smtClean="0"/>
-              <a:t>planned or allotted.</a:t>
-            </a:r>
-            <a:endParaRPr lang="en-IN" sz="2000" dirty="0" smtClean="0"/>
-          </a:p>
-          <a:p>
-            <a:pPr marL="0" indent="0">
-              <a:buNone/>
-            </a:pPr>
-            <a:r>
-              <a:rPr lang="en-IN" sz="2000" dirty="0" smtClean="0"/>
-              <a:t>Someone who has social media </a:t>
-            </a:r>
-            <a:r>
-              <a:rPr lang="en-IN" sz="2000" dirty="0" smtClean="0"/>
-              <a:t>enabling skills, </a:t>
-            </a:r>
-            <a:r>
-              <a:rPr lang="en-IN" sz="2000" dirty="0" smtClean="0"/>
-              <a:t>will be guided through 1$ process and then will be allocated to the needy Requestor work completion.</a:t>
+              <a:t>Someone who has social media enabling skills, will be guided through 1$ process and then will be allocated to the needy Requestor work completion.</a:t>
             </a:r>
             <a:endParaRPr lang="en-IN" sz="2000" dirty="0"/>
           </a:p>
@@ -6125,15 +5902,7 @@
           <a:p>
             <a:r>
               <a:rPr lang="en-IN" b="1" dirty="0" smtClean="0"/>
-              <a:t>With </a:t>
-            </a:r>
-            <a:r>
-              <a:rPr lang="en-IN" b="1" dirty="0" smtClean="0"/>
-              <a:t>Whom? - </a:t>
-            </a:r>
-            <a:r>
-              <a:rPr lang="en-IN" b="1" dirty="0" smtClean="0"/>
-              <a:t>Clients</a:t>
+              <a:t>With Whom? - Clients</a:t>
             </a:r>
             <a:endParaRPr lang="en-IN" b="1" dirty="0"/>
           </a:p>
@@ -6188,13 +5957,8 @@
           <a:p>
             <a:r>
               <a:rPr lang="en-IN" dirty="0" smtClean="0"/>
-              <a:t>Technology providers like Google, Microsoft, Amazon, Facebook</a:t>
-            </a:r>
-            <a:r>
-              <a:rPr lang="en-IN" dirty="0" smtClean="0"/>
-              <a:t>, Xencia</a:t>
-            </a:r>
-            <a:endParaRPr lang="en-IN" dirty="0" smtClean="0"/>
+              <a:t>Technology providers like Google, Microsoft, Amazon, Facebook, Xencia</a:t>
+            </a:r>
           </a:p>
           <a:p>
             <a:r>
@@ -6307,15 +6071,7 @@
           <a:p>
             <a:r>
               <a:rPr lang="en-IN" b="1" dirty="0" smtClean="0"/>
-              <a:t>What Technology </a:t>
-            </a:r>
-            <a:r>
-              <a:rPr lang="en-IN" b="1" dirty="0" smtClean="0"/>
-              <a:t>and </a:t>
-            </a:r>
-            <a:r>
-              <a:rPr lang="en-IN" b="1" dirty="0" smtClean="0"/>
-              <a:t>Providers?</a:t>
+              <a:t>What Technology and Providers?</a:t>
             </a:r>
             <a:endParaRPr lang="en-IN" b="1" dirty="0"/>
           </a:p>
@@ -6346,21 +6102,8 @@
             </a:pPr>
             <a:r>
               <a:rPr lang="en-IN" dirty="0" smtClean="0"/>
-              <a:t>Since we are in wide spectrum and we are not restricted with any boundary. If request comes and if we have the capacity will achieve otherwise clear answer </a:t>
-            </a:r>
-            <a:r>
-              <a:rPr lang="en-IN" dirty="0" smtClean="0"/>
-              <a:t>is </a:t>
-            </a:r>
-            <a:r>
-              <a:rPr lang="en-IN" dirty="0" smtClean="0"/>
-              <a:t>NO with smile or possible alternative</a:t>
-            </a:r>
-            <a:r>
-              <a:rPr lang="en-IN" dirty="0" smtClean="0"/>
-              <a:t>. Immediately will start preparation for missing part.</a:t>
-            </a:r>
-            <a:endParaRPr lang="en-IN" dirty="0" smtClean="0"/>
+              <a:t>Since we are in wide spectrum and we are not restricted with any boundary. If request comes and if we have the capacity will achieve otherwise clear answer is NO with smile or possible alternative. Immediately will start preparation for missing part.</a:t>
+            </a:r>
           </a:p>
           <a:p>
             <a:pPr marL="0" indent="0">

--- a/1$.pptx
+++ b/1$.pptx
@@ -945,10 +945,10 @@
           <a:bodyPr/>
           <a:lstStyle/>
           <a:p>
-            <a:fld id="{3A7EAF5B-E5A1-478B-99DE-778C7AECDE54}" type="datetime1">
-              <a:rPr lang="en-IN" smtClean="0"/>
+            <a:r>
+              <a:rPr lang="en-US" smtClean="0"/>
               <a:t>12-01-2023</a:t>
-            </a:fld>
+            </a:r>
             <a:endParaRPr lang="en-IN" dirty="0"/>
           </a:p>
         </p:txBody>
@@ -1119,10 +1119,10 @@
           <a:bodyPr/>
           <a:lstStyle/>
           <a:p>
-            <a:fld id="{12341818-AE0A-4718-8308-25F1C89150DB}" type="datetime1">
-              <a:rPr lang="en-IN" smtClean="0"/>
+            <a:r>
+              <a:rPr lang="en-US" smtClean="0"/>
               <a:t>12-01-2023</a:t>
-            </a:fld>
+            </a:r>
             <a:endParaRPr lang="en-IN" dirty="0"/>
           </a:p>
         </p:txBody>
@@ -1303,10 +1303,10 @@
           <a:bodyPr/>
           <a:lstStyle/>
           <a:p>
-            <a:fld id="{9C8BA95A-8A4B-409F-A41E-497452C6CDDA}" type="datetime1">
-              <a:rPr lang="en-IN" smtClean="0"/>
+            <a:r>
+              <a:rPr lang="en-US" smtClean="0"/>
               <a:t>12-01-2023</a:t>
-            </a:fld>
+            </a:r>
             <a:endParaRPr lang="en-IN" dirty="0"/>
           </a:p>
         </p:txBody>
@@ -1477,10 +1477,10 @@
           <a:bodyPr/>
           <a:lstStyle/>
           <a:p>
-            <a:fld id="{D9B85939-397F-4C14-BC27-4052CF4BD55F}" type="datetime1">
-              <a:rPr lang="en-IN" smtClean="0"/>
+            <a:r>
+              <a:rPr lang="en-US" smtClean="0"/>
               <a:t>12-01-2023</a:t>
-            </a:fld>
+            </a:r>
             <a:endParaRPr lang="en-IN" dirty="0"/>
           </a:p>
         </p:txBody>
@@ -1727,10 +1727,10 @@
           <a:bodyPr/>
           <a:lstStyle/>
           <a:p>
-            <a:fld id="{48D8DC1E-37B4-4D5D-BB10-E35C89EDE0C0}" type="datetime1">
-              <a:rPr lang="en-IN" smtClean="0"/>
+            <a:r>
+              <a:rPr lang="en-US" smtClean="0"/>
               <a:t>12-01-2023</a:t>
-            </a:fld>
+            </a:r>
             <a:endParaRPr lang="en-IN" dirty="0"/>
           </a:p>
         </p:txBody>
@@ -1963,10 +1963,10 @@
           <a:bodyPr/>
           <a:lstStyle/>
           <a:p>
-            <a:fld id="{52612452-40F5-416A-AEB0-E56F76CCC0C8}" type="datetime1">
-              <a:rPr lang="en-IN" smtClean="0"/>
+            <a:r>
+              <a:rPr lang="en-US" smtClean="0"/>
               <a:t>12-01-2023</a:t>
-            </a:fld>
+            </a:r>
             <a:endParaRPr lang="en-IN" dirty="0"/>
           </a:p>
         </p:txBody>
@@ -2334,10 +2334,10 @@
           <a:bodyPr/>
           <a:lstStyle/>
           <a:p>
-            <a:fld id="{3A54DA66-A2C6-47B4-BBBE-A197F37D44BA}" type="datetime1">
-              <a:rPr lang="en-IN" smtClean="0"/>
+            <a:r>
+              <a:rPr lang="en-US" smtClean="0"/>
               <a:t>12-01-2023</a:t>
-            </a:fld>
+            </a:r>
             <a:endParaRPr lang="en-IN" dirty="0"/>
           </a:p>
         </p:txBody>
@@ -2456,10 +2456,10 @@
           <a:bodyPr/>
           <a:lstStyle/>
           <a:p>
-            <a:fld id="{E7240A0A-1AF3-45AB-9D7C-0FEEBB726AF8}" type="datetime1">
-              <a:rPr lang="en-IN" smtClean="0"/>
+            <a:r>
+              <a:rPr lang="en-US" smtClean="0"/>
               <a:t>12-01-2023</a:t>
-            </a:fld>
+            </a:r>
             <a:endParaRPr lang="en-IN" dirty="0"/>
           </a:p>
         </p:txBody>
@@ -2555,10 +2555,10 @@
           <a:bodyPr/>
           <a:lstStyle/>
           <a:p>
-            <a:fld id="{2322E0DD-ABE6-42CE-8749-3938EA894DEF}" type="datetime1">
-              <a:rPr lang="en-IN" smtClean="0"/>
+            <a:r>
+              <a:rPr lang="en-US" smtClean="0"/>
               <a:t>12-01-2023</a:t>
-            </a:fld>
+            </a:r>
             <a:endParaRPr lang="en-IN" dirty="0"/>
           </a:p>
         </p:txBody>
@@ -2836,10 +2836,10 @@
           <a:bodyPr/>
           <a:lstStyle/>
           <a:p>
-            <a:fld id="{18FB7AD5-D84E-4077-AE87-E1E82E576ED2}" type="datetime1">
-              <a:rPr lang="en-IN" smtClean="0"/>
+            <a:r>
+              <a:rPr lang="en-US" smtClean="0"/>
               <a:t>12-01-2023</a:t>
-            </a:fld>
+            </a:r>
             <a:endParaRPr lang="en-IN" dirty="0"/>
           </a:p>
         </p:txBody>
@@ -3093,10 +3093,10 @@
           <a:bodyPr/>
           <a:lstStyle/>
           <a:p>
-            <a:fld id="{B9E166A3-7DD6-4682-A648-0C9906886851}" type="datetime1">
-              <a:rPr lang="en-IN" smtClean="0"/>
+            <a:r>
+              <a:rPr lang="en-US" smtClean="0"/>
               <a:t>12-01-2023</a:t>
-            </a:fld>
+            </a:r>
             <a:endParaRPr lang="en-IN" dirty="0"/>
           </a:p>
         </p:txBody>
@@ -3319,10 +3319,10 @@
             </a:lvl1pPr>
           </a:lstStyle>
           <a:p>
-            <a:fld id="{DE70451F-9717-43E1-9942-5D373779CA77}" type="datetime1">
-              <a:rPr lang="en-IN" smtClean="0"/>
+            <a:r>
+              <a:rPr lang="en-US" smtClean="0"/>
               <a:t>12-01-2023</a:t>
-            </a:fld>
+            </a:r>
             <a:endParaRPr lang="en-IN" dirty="0"/>
           </a:p>
         </p:txBody>
@@ -3430,7 +3430,7 @@
     <p:sldLayoutId id="2147483658" r:id="rId10"/>
     <p:sldLayoutId id="2147483659" r:id="rId11"/>
   </p:sldLayoutIdLst>
-  <p:hf hdr="0" dt="0"/>
+  <p:hf hdr="0"/>
   <p:txStyles>
     <p:titleStyle>
       <a:lvl1pPr algn="l" defTabSz="914400" rtl="0" eaLnBrk="1" latinLnBrk="0" hangingPunct="1">
@@ -3807,6 +3807,29 @@
           </a:p>
         </p:txBody>
       </p:sp>
+      <p:sp>
+        <p:nvSpPr>
+          <p:cNvPr id="5" name="Date Placeholder 4"/>
+          <p:cNvSpPr>
+            <a:spLocks noGrp="1"/>
+          </p:cNvSpPr>
+          <p:nvPr>
+            <p:ph type="dt" sz="half" idx="10"/>
+          </p:nvPr>
+        </p:nvSpPr>
+        <p:spPr/>
+        <p:txBody>
+          <a:bodyPr/>
+          <a:lstStyle/>
+          <a:p>
+            <a:r>
+              <a:rPr lang="en-US" smtClean="0"/>
+              <a:t>12-01-2023</a:t>
+            </a:r>
+            <a:endParaRPr lang="en-IN" dirty="0"/>
+          </a:p>
+        </p:txBody>
+      </p:sp>
     </p:spTree>
     <p:extLst>
       <p:ext uri="{BB962C8B-B14F-4D97-AF65-F5344CB8AC3E}">
@@ -4031,6 +4054,29 @@
           </a:p>
         </p:txBody>
       </p:sp>
+      <p:sp>
+        <p:nvSpPr>
+          <p:cNvPr id="6" name="Date Placeholder 5"/>
+          <p:cNvSpPr>
+            <a:spLocks noGrp="1"/>
+          </p:cNvSpPr>
+          <p:nvPr>
+            <p:ph type="dt" sz="half" idx="10"/>
+          </p:nvPr>
+        </p:nvSpPr>
+        <p:spPr/>
+        <p:txBody>
+          <a:bodyPr/>
+          <a:lstStyle/>
+          <a:p>
+            <a:r>
+              <a:rPr lang="en-US" smtClean="0"/>
+              <a:t>12-01-2023</a:t>
+            </a:r>
+            <a:endParaRPr lang="en-IN" dirty="0"/>
+          </a:p>
+        </p:txBody>
+      </p:sp>
     </p:spTree>
     <p:extLst>
       <p:ext uri="{BB962C8B-B14F-4D97-AF65-F5344CB8AC3E}">
@@ -4168,6 +4214,29 @@
           </a:p>
         </p:txBody>
       </p:sp>
+      <p:sp>
+        <p:nvSpPr>
+          <p:cNvPr id="6" name="Date Placeholder 5"/>
+          <p:cNvSpPr>
+            <a:spLocks noGrp="1"/>
+          </p:cNvSpPr>
+          <p:nvPr>
+            <p:ph type="dt" sz="half" idx="10"/>
+          </p:nvPr>
+        </p:nvSpPr>
+        <p:spPr/>
+        <p:txBody>
+          <a:bodyPr/>
+          <a:lstStyle/>
+          <a:p>
+            <a:r>
+              <a:rPr lang="en-US" smtClean="0"/>
+              <a:t>12-01-2023</a:t>
+            </a:r>
+            <a:endParaRPr lang="en-IN" dirty="0"/>
+          </a:p>
+        </p:txBody>
+      </p:sp>
     </p:spTree>
     <p:extLst>
       <p:ext uri="{BB962C8B-B14F-4D97-AF65-F5344CB8AC3E}">
@@ -4323,6 +4392,29 @@
           </a:p>
         </p:txBody>
       </p:sp>
+      <p:sp>
+        <p:nvSpPr>
+          <p:cNvPr id="6" name="Date Placeholder 5"/>
+          <p:cNvSpPr>
+            <a:spLocks noGrp="1"/>
+          </p:cNvSpPr>
+          <p:nvPr>
+            <p:ph type="dt" sz="half" idx="10"/>
+          </p:nvPr>
+        </p:nvSpPr>
+        <p:spPr/>
+        <p:txBody>
+          <a:bodyPr/>
+          <a:lstStyle/>
+          <a:p>
+            <a:r>
+              <a:rPr lang="en-US" smtClean="0"/>
+              <a:t>12-01-2023</a:t>
+            </a:r>
+            <a:endParaRPr lang="en-IN" dirty="0"/>
+          </a:p>
+        </p:txBody>
+      </p:sp>
     </p:spTree>
     <p:extLst>
       <p:ext uri="{BB962C8B-B14F-4D97-AF65-F5344CB8AC3E}">
@@ -4508,6 +4600,29 @@
           </a:p>
         </p:txBody>
       </p:sp>
+      <p:sp>
+        <p:nvSpPr>
+          <p:cNvPr id="6" name="Date Placeholder 5"/>
+          <p:cNvSpPr>
+            <a:spLocks noGrp="1"/>
+          </p:cNvSpPr>
+          <p:nvPr>
+            <p:ph type="dt" sz="half" idx="10"/>
+          </p:nvPr>
+        </p:nvSpPr>
+        <p:spPr/>
+        <p:txBody>
+          <a:bodyPr/>
+          <a:lstStyle/>
+          <a:p>
+            <a:r>
+              <a:rPr lang="en-US" smtClean="0"/>
+              <a:t>12-01-2023</a:t>
+            </a:r>
+            <a:endParaRPr lang="en-IN" dirty="0"/>
+          </a:p>
+        </p:txBody>
+      </p:sp>
     </p:spTree>
     <p:extLst>
       <p:ext uri="{BB962C8B-B14F-4D97-AF65-F5344CB8AC3E}">
@@ -4658,6 +4773,29 @@
           </a:p>
         </p:txBody>
       </p:sp>
+      <p:sp>
+        <p:nvSpPr>
+          <p:cNvPr id="2" name="Date Placeholder 1"/>
+          <p:cNvSpPr>
+            <a:spLocks noGrp="1"/>
+          </p:cNvSpPr>
+          <p:nvPr>
+            <p:ph type="dt" sz="half" idx="10"/>
+          </p:nvPr>
+        </p:nvSpPr>
+        <p:spPr/>
+        <p:txBody>
+          <a:bodyPr/>
+          <a:lstStyle/>
+          <a:p>
+            <a:r>
+              <a:rPr lang="en-US" smtClean="0"/>
+              <a:t>12-01-2023</a:t>
+            </a:r>
+            <a:endParaRPr lang="en-IN" dirty="0"/>
+          </a:p>
+        </p:txBody>
+      </p:sp>
     </p:spTree>
     <p:extLst>
       <p:ext uri="{BB962C8B-B14F-4D97-AF65-F5344CB8AC3E}">
@@ -4797,19 +4935,7 @@
           <a:p>
             <a:r>
               <a:rPr lang="en-IN" dirty="0" smtClean="0"/>
-              <a:t>We provide software products/services for only One-dollar or </a:t>
-            </a:r>
-            <a:r>
-              <a:rPr lang="en-IN" dirty="0" smtClean="0"/>
-              <a:t>one-percentile </a:t>
-            </a:r>
-            <a:r>
-              <a:rPr lang="en-IN" dirty="0" smtClean="0"/>
-              <a:t>of the effort </a:t>
-            </a:r>
-            <a:r>
-              <a:rPr lang="en-IN" dirty="0" smtClean="0"/>
-              <a:t>(1</a:t>
+              <a:t>We provide software products/services for only One-dollar or one-percentile of the effort (1</a:t>
             </a:r>
             <a:r>
               <a:rPr lang="en-IN" smtClean="0"/>
@@ -4823,11 +4949,7 @@
           <a:p>
             <a:r>
               <a:rPr lang="en-IN" dirty="0" smtClean="0"/>
-              <a:t>How Idea came: We came across many scenarios like above, we did that but stayed anonymous. Now making it official and collective in 1</a:t>
-            </a:r>
-            <a:r>
-              <a:rPr lang="en-IN" dirty="0" smtClean="0"/>
-              <a:t>$.</a:t>
+              <a:t>How Idea came: We came across many scenarios like above, we did that but stayed anonymous. Now making it official and collective in 1$.</a:t>
             </a:r>
             <a:endParaRPr lang="en-IN" b="1" dirty="0" smtClean="0"/>
           </a:p>
@@ -4893,6 +5015,29 @@
               <a:rPr lang="en-IN" smtClean="0"/>
               <a:t>2</a:t>
             </a:fld>
+            <a:endParaRPr lang="en-IN" dirty="0"/>
+          </a:p>
+        </p:txBody>
+      </p:sp>
+      <p:sp>
+        <p:nvSpPr>
+          <p:cNvPr id="6" name="Date Placeholder 5"/>
+          <p:cNvSpPr>
+            <a:spLocks noGrp="1"/>
+          </p:cNvSpPr>
+          <p:nvPr>
+            <p:ph type="dt" sz="half" idx="10"/>
+          </p:nvPr>
+        </p:nvSpPr>
+        <p:spPr/>
+        <p:txBody>
+          <a:bodyPr/>
+          <a:lstStyle/>
+          <a:p>
+            <a:r>
+              <a:rPr lang="en-US" smtClean="0"/>
+              <a:t>12-01-2023</a:t>
+            </a:r>
             <a:endParaRPr lang="en-IN" dirty="0"/>
           </a:p>
         </p:txBody>
@@ -5114,6 +5259,29 @@
           </a:p>
         </p:txBody>
       </p:sp>
+      <p:sp>
+        <p:nvSpPr>
+          <p:cNvPr id="6" name="Date Placeholder 5"/>
+          <p:cNvSpPr>
+            <a:spLocks noGrp="1"/>
+          </p:cNvSpPr>
+          <p:nvPr>
+            <p:ph type="dt" sz="half" idx="10"/>
+          </p:nvPr>
+        </p:nvSpPr>
+        <p:spPr/>
+        <p:txBody>
+          <a:bodyPr/>
+          <a:lstStyle/>
+          <a:p>
+            <a:r>
+              <a:rPr lang="en-US" smtClean="0"/>
+              <a:t>12-01-2023</a:t>
+            </a:r>
+            <a:endParaRPr lang="en-IN" dirty="0"/>
+          </a:p>
+        </p:txBody>
+      </p:sp>
     </p:spTree>
     <p:extLst>
       <p:ext uri="{BB962C8B-B14F-4D97-AF65-F5344CB8AC3E}">
@@ -5303,6 +5471,29 @@
           </a:p>
         </p:txBody>
       </p:sp>
+      <p:sp>
+        <p:nvSpPr>
+          <p:cNvPr id="6" name="Date Placeholder 5"/>
+          <p:cNvSpPr>
+            <a:spLocks noGrp="1"/>
+          </p:cNvSpPr>
+          <p:nvPr>
+            <p:ph type="dt" sz="half" idx="10"/>
+          </p:nvPr>
+        </p:nvSpPr>
+        <p:spPr/>
+        <p:txBody>
+          <a:bodyPr/>
+          <a:lstStyle/>
+          <a:p>
+            <a:r>
+              <a:rPr lang="en-US" smtClean="0"/>
+              <a:t>12-01-2023</a:t>
+            </a:r>
+            <a:endParaRPr lang="en-IN" dirty="0"/>
+          </a:p>
+        </p:txBody>
+      </p:sp>
     </p:spTree>
     <p:extLst>
       <p:ext uri="{BB962C8B-B14F-4D97-AF65-F5344CB8AC3E}">
@@ -5503,6 +5694,29 @@
           </a:p>
         </p:txBody>
       </p:sp>
+      <p:sp>
+        <p:nvSpPr>
+          <p:cNvPr id="6" name="Date Placeholder 5"/>
+          <p:cNvSpPr>
+            <a:spLocks noGrp="1"/>
+          </p:cNvSpPr>
+          <p:nvPr>
+            <p:ph type="dt" sz="half" idx="10"/>
+          </p:nvPr>
+        </p:nvSpPr>
+        <p:spPr/>
+        <p:txBody>
+          <a:bodyPr/>
+          <a:lstStyle/>
+          <a:p>
+            <a:r>
+              <a:rPr lang="en-US" smtClean="0"/>
+              <a:t>12-01-2023</a:t>
+            </a:r>
+            <a:endParaRPr lang="en-IN" dirty="0"/>
+          </a:p>
+        </p:txBody>
+      </p:sp>
     </p:spTree>
     <p:extLst>
       <p:ext uri="{BB962C8B-B14F-4D97-AF65-F5344CB8AC3E}">
@@ -5656,6 +5870,29 @@
           </a:p>
         </p:txBody>
       </p:sp>
+      <p:sp>
+        <p:nvSpPr>
+          <p:cNvPr id="6" name="Date Placeholder 5"/>
+          <p:cNvSpPr>
+            <a:spLocks noGrp="1"/>
+          </p:cNvSpPr>
+          <p:nvPr>
+            <p:ph type="dt" sz="half" idx="10"/>
+          </p:nvPr>
+        </p:nvSpPr>
+        <p:spPr/>
+        <p:txBody>
+          <a:bodyPr/>
+          <a:lstStyle/>
+          <a:p>
+            <a:r>
+              <a:rPr lang="en-US" smtClean="0"/>
+              <a:t>12-01-2023</a:t>
+            </a:r>
+            <a:endParaRPr lang="en-IN" dirty="0"/>
+          </a:p>
+        </p:txBody>
+      </p:sp>
     </p:spTree>
     <p:extLst>
       <p:ext uri="{BB962C8B-B14F-4D97-AF65-F5344CB8AC3E}">
@@ -5848,6 +6085,29 @@
           </a:p>
         </p:txBody>
       </p:sp>
+      <p:sp>
+        <p:nvSpPr>
+          <p:cNvPr id="6" name="Date Placeholder 5"/>
+          <p:cNvSpPr>
+            <a:spLocks noGrp="1"/>
+          </p:cNvSpPr>
+          <p:nvPr>
+            <p:ph type="dt" sz="half" idx="10"/>
+          </p:nvPr>
+        </p:nvSpPr>
+        <p:spPr/>
+        <p:txBody>
+          <a:bodyPr/>
+          <a:lstStyle/>
+          <a:p>
+            <a:r>
+              <a:rPr lang="en-US" smtClean="0"/>
+              <a:t>12-01-2023</a:t>
+            </a:r>
+            <a:endParaRPr lang="en-IN" dirty="0"/>
+          </a:p>
+        </p:txBody>
+      </p:sp>
     </p:spTree>
     <p:extLst>
       <p:ext uri="{BB962C8B-B14F-4D97-AF65-F5344CB8AC3E}">
@@ -6017,6 +6277,29 @@
           </a:p>
         </p:txBody>
       </p:sp>
+      <p:sp>
+        <p:nvSpPr>
+          <p:cNvPr id="6" name="Date Placeholder 5"/>
+          <p:cNvSpPr>
+            <a:spLocks noGrp="1"/>
+          </p:cNvSpPr>
+          <p:nvPr>
+            <p:ph type="dt" sz="half" idx="10"/>
+          </p:nvPr>
+        </p:nvSpPr>
+        <p:spPr/>
+        <p:txBody>
+          <a:bodyPr/>
+          <a:lstStyle/>
+          <a:p>
+            <a:r>
+              <a:rPr lang="en-US" smtClean="0"/>
+              <a:t>12-01-2023</a:t>
+            </a:r>
+            <a:endParaRPr lang="en-IN" dirty="0"/>
+          </a:p>
+        </p:txBody>
+      </p:sp>
     </p:spTree>
     <p:extLst>
       <p:ext uri="{BB962C8B-B14F-4D97-AF65-F5344CB8AC3E}">
@@ -6188,6 +6471,29 @@
               <a:rPr lang="en-IN" smtClean="0"/>
               <a:t>9</a:t>
             </a:fld>
+            <a:endParaRPr lang="en-IN" dirty="0"/>
+          </a:p>
+        </p:txBody>
+      </p:sp>
+      <p:sp>
+        <p:nvSpPr>
+          <p:cNvPr id="6" name="Date Placeholder 5"/>
+          <p:cNvSpPr>
+            <a:spLocks noGrp="1"/>
+          </p:cNvSpPr>
+          <p:nvPr>
+            <p:ph type="dt" sz="half" idx="10"/>
+          </p:nvPr>
+        </p:nvSpPr>
+        <p:spPr/>
+        <p:txBody>
+          <a:bodyPr/>
+          <a:lstStyle/>
+          <a:p>
+            <a:r>
+              <a:rPr lang="en-US" smtClean="0"/>
+              <a:t>12-01-2023</a:t>
+            </a:r>
             <a:endParaRPr lang="en-IN" dirty="0"/>
           </a:p>
         </p:txBody>
